--- a/CodeStudy/fabcar/api-server/api-server 분석.pptx
+++ b/CodeStudy/fabcar/api-server/api-server 분석.pptx
@@ -17,6 +17,12 @@
     <p:sldId id="266" r:id="rId11"/>
     <p:sldId id="267" r:id="rId12"/>
     <p:sldId id="268" r:id="rId13"/>
+    <p:sldId id="269" r:id="rId14"/>
+    <p:sldId id="270" r:id="rId15"/>
+    <p:sldId id="271" r:id="rId16"/>
+    <p:sldId id="272" r:id="rId17"/>
+    <p:sldId id="273" r:id="rId18"/>
+    <p:sldId id="274" r:id="rId19"/>
   </p:sldIdLst>
   <p:sldSz cx="12192000" cy="6858000"/>
   <p:notesSz cx="6858000" cy="9144000"/>
@@ -115,6 +121,11 @@
       </a:defRPr>
     </a:lvl9pPr>
   </p:defaultTextStyle>
+  <p:extLst>
+    <p:ext uri="{EFAFB233-063F-42B5-8137-9DF3F51BA10A}">
+      <p15:sldGuideLst xmlns:p15="http://schemas.microsoft.com/office/powerpoint/2012/main"/>
+    </p:ext>
+  </p:extLst>
 </p:presentation>
 </file>
 
@@ -3965,6 +3976,868 @@
           </a:p>
         </p:txBody>
       </p:sp>
+      <p:pic>
+        <p:nvPicPr>
+          <p:cNvPr id="4" name="Content Placeholder 3"/>
+          <p:cNvPicPr>
+            <a:picLocks noGrp="1" noChangeAspect="1"/>
+          </p:cNvPicPr>
+          <p:nvPr>
+            <p:ph idx="1"/>
+          </p:nvPr>
+        </p:nvPicPr>
+        <p:blipFill>
+          <a:blip r:embed="rId2"/>
+          <a:stretch>
+            <a:fillRect/>
+          </a:stretch>
+        </p:blipFill>
+        <p:spPr>
+          <a:xfrm>
+            <a:off x="645694" y="1690688"/>
+            <a:ext cx="6331953" cy="1710238"/>
+          </a:xfrm>
+          <a:prstGeom prst="rect">
+            <a:avLst/>
+          </a:prstGeom>
+        </p:spPr>
+      </p:pic>
+      <p:sp>
+        <p:nvSpPr>
+          <p:cNvPr id="5" name="TextBox 4"/>
+          <p:cNvSpPr txBox="1"/>
+          <p:nvPr/>
+        </p:nvSpPr>
+        <p:spPr>
+          <a:xfrm>
+            <a:off x="1122948" y="4074695"/>
+            <a:ext cx="6801852" cy="1384995"/>
+          </a:xfrm>
+          <a:prstGeom prst="rect">
+            <a:avLst/>
+          </a:prstGeom>
+          <a:noFill/>
+        </p:spPr>
+        <p:txBody>
+          <a:bodyPr wrap="square" rtlCol="0">
+            <a:spAutoFit/>
+          </a:bodyPr>
+          <a:lstStyle/>
+          <a:p>
+            <a:r>
+              <a:rPr lang="en-US" altLang="ko-KR" sz="2800" b="1" dirty="0" smtClean="0"/>
+              <a:t>express </a:t>
+            </a:r>
+            <a:r>
+              <a:rPr lang="ko-KR" altLang="en-US" sz="2800" b="1" dirty="0" smtClean="0"/>
+              <a:t>라이브러리 사용</a:t>
+            </a:r>
+            <a:endParaRPr lang="en-US" altLang="ko-KR" sz="2800" b="1" dirty="0" smtClean="0"/>
+          </a:p>
+          <a:p>
+            <a:r>
+              <a:rPr lang="en-US" altLang="ko-KR" sz="2800" b="1" dirty="0" smtClean="0"/>
+              <a:t>body-parser </a:t>
+            </a:r>
+            <a:r>
+              <a:rPr lang="ko-KR" altLang="en-US" sz="2800" b="1" dirty="0" smtClean="0"/>
+              <a:t>라이브러리 사용</a:t>
+            </a:r>
+            <a:endParaRPr lang="en-US" altLang="ko-KR" sz="2800" b="1" dirty="0" smtClean="0"/>
+          </a:p>
+          <a:p>
+            <a:r>
+              <a:rPr lang="en-US" altLang="ko-KR" sz="2800" b="1" dirty="0" smtClean="0"/>
+              <a:t>node.js webserver </a:t>
+            </a:r>
+            <a:r>
+              <a:rPr lang="ko-KR" altLang="en-US" sz="2800" b="1" dirty="0" smtClean="0"/>
+              <a:t>기본 모듈</a:t>
+            </a:r>
+            <a:endParaRPr lang="ko-KR" altLang="en-US" sz="2800" b="1" dirty="0"/>
+          </a:p>
+        </p:txBody>
+      </p:sp>
+      <p:pic>
+        <p:nvPicPr>
+          <p:cNvPr id="6" name="Picture 5"/>
+          <p:cNvPicPr>
+            <a:picLocks noChangeAspect="1"/>
+          </p:cNvPicPr>
+          <p:nvPr/>
+        </p:nvPicPr>
+        <p:blipFill>
+          <a:blip r:embed="rId3"/>
+          <a:stretch>
+            <a:fillRect/>
+          </a:stretch>
+        </p:blipFill>
+        <p:spPr>
+          <a:xfrm>
+            <a:off x="7170153" y="1690688"/>
+            <a:ext cx="4875455" cy="1710238"/>
+          </a:xfrm>
+          <a:prstGeom prst="rect">
+            <a:avLst/>
+          </a:prstGeom>
+        </p:spPr>
+      </p:pic>
+      <p:sp>
+        <p:nvSpPr>
+          <p:cNvPr id="7" name="TextBox 6"/>
+          <p:cNvSpPr txBox="1"/>
+          <p:nvPr/>
+        </p:nvSpPr>
+        <p:spPr>
+          <a:xfrm>
+            <a:off x="6775777" y="4074695"/>
+            <a:ext cx="5269831" cy="2246769"/>
+          </a:xfrm>
+          <a:prstGeom prst="rect">
+            <a:avLst/>
+          </a:prstGeom>
+          <a:noFill/>
+        </p:spPr>
+        <p:txBody>
+          <a:bodyPr wrap="square" rtlCol="0">
+            <a:spAutoFit/>
+          </a:bodyPr>
+          <a:lstStyle/>
+          <a:p>
+            <a:r>
+              <a:rPr lang="en-US" altLang="ko-KR" sz="2800" b="1" dirty="0" smtClean="0"/>
+              <a:t>PORT</a:t>
+            </a:r>
+            <a:r>
+              <a:rPr lang="ko-KR" altLang="en-US" sz="2800" b="1" dirty="0" smtClean="0"/>
+              <a:t>번호를 </a:t>
+            </a:r>
+            <a:r>
+              <a:rPr lang="en-US" altLang="ko-KR" sz="2800" b="1" dirty="0" smtClean="0"/>
+              <a:t>8080</a:t>
+            </a:r>
+            <a:r>
+              <a:rPr lang="ko-KR" altLang="en-US" sz="2800" b="1" dirty="0" smtClean="0"/>
+              <a:t>으로 지정</a:t>
+            </a:r>
+            <a:endParaRPr lang="en-US" altLang="ko-KR" sz="2800" b="1" dirty="0" smtClean="0"/>
+          </a:p>
+          <a:p>
+            <a:r>
+              <a:rPr lang="en-US" altLang="ko-KR" sz="2800" b="1" dirty="0" smtClean="0"/>
+              <a:t>IP</a:t>
+            </a:r>
+            <a:r>
+              <a:rPr lang="ko-KR" altLang="en-US" sz="2800" b="1" dirty="0" smtClean="0"/>
+              <a:t>주소를 </a:t>
+            </a:r>
+            <a:r>
+              <a:rPr lang="en-US" altLang="ko-KR" sz="2800" b="1" dirty="0" smtClean="0"/>
+              <a:t>0.0.0.0 </a:t>
+            </a:r>
+            <a:r>
+              <a:rPr lang="ko-KR" altLang="en-US" sz="2800" b="1" dirty="0" smtClean="0"/>
+              <a:t>설정한다는 뜻은 서버</a:t>
+            </a:r>
+            <a:r>
+              <a:rPr lang="en-US" altLang="ko-KR" sz="2800" b="1" dirty="0" smtClean="0"/>
+              <a:t>IP</a:t>
+            </a:r>
+            <a:r>
+              <a:rPr lang="ko-KR" altLang="en-US" sz="2800" b="1" dirty="0" smtClean="0"/>
+              <a:t>주소를 의미</a:t>
+            </a:r>
+            <a:r>
+              <a:rPr lang="en-US" altLang="ko-KR" sz="2800" b="1" dirty="0" smtClean="0"/>
+              <a:t>.</a:t>
+            </a:r>
+          </a:p>
+          <a:p>
+            <a:r>
+              <a:rPr lang="en-US" altLang="ko-KR" sz="2800" b="1" dirty="0" smtClean="0"/>
+              <a:t>localhost</a:t>
+            </a:r>
+            <a:r>
+              <a:rPr lang="ko-KR" altLang="en-US" sz="2800" b="1" dirty="0" smtClean="0"/>
+              <a:t>뿐만아니라 다른 호스트에서도 접근가능하게 한 것임</a:t>
+            </a:r>
+            <a:r>
+              <a:rPr lang="en-US" altLang="ko-KR" sz="2800" b="1" dirty="0" smtClean="0"/>
+              <a:t>.</a:t>
+            </a:r>
+            <a:endParaRPr lang="ko-KR" altLang="en-US" sz="2800" b="1" dirty="0"/>
+          </a:p>
+        </p:txBody>
+      </p:sp>
+    </p:spTree>
+    <p:extLst>
+      <p:ext uri="{BB962C8B-B14F-4D97-AF65-F5344CB8AC3E}">
+        <p14:creationId xmlns:p14="http://schemas.microsoft.com/office/powerpoint/2010/main" val="3145051777"/>
+      </p:ext>
+    </p:extLst>
+  </p:cSld>
+  <p:clrMapOvr>
+    <a:masterClrMapping/>
+  </p:clrMapOvr>
+  <p:timing>
+    <p:tnLst>
+      <p:par>
+        <p:cTn id="1" dur="indefinite" restart="never" nodeType="tmRoot"/>
+      </p:par>
+    </p:tnLst>
+  </p:timing>
+</p:sld>
+</file>
+
+<file path=ppt/slides/slide13.xml><?xml version="1.0" encoding="utf-8"?>
+<p:sld xmlns:a="http://schemas.openxmlformats.org/drawingml/2006/main" xmlns:r="http://schemas.openxmlformats.org/officeDocument/2006/relationships" xmlns:p="http://schemas.openxmlformats.org/presentationml/2006/main">
+  <p:cSld>
+    <p:spTree>
+      <p:nvGrpSpPr>
+        <p:cNvPr id="1" name=""/>
+        <p:cNvGrpSpPr/>
+        <p:nvPr/>
+      </p:nvGrpSpPr>
+      <p:grpSpPr>
+        <a:xfrm>
+          <a:off x="0" y="0"/>
+          <a:ext cx="0" cy="0"/>
+          <a:chOff x="0" y="0"/>
+          <a:chExt cx="0" cy="0"/>
+        </a:xfrm>
+      </p:grpSpPr>
+      <p:sp>
+        <p:nvSpPr>
+          <p:cNvPr id="2" name="Title 1"/>
+          <p:cNvSpPr>
+            <a:spLocks noGrp="1"/>
+          </p:cNvSpPr>
+          <p:nvPr>
+            <p:ph type="title"/>
+          </p:nvPr>
+        </p:nvSpPr>
+        <p:spPr/>
+        <p:txBody>
+          <a:bodyPr/>
+          <a:lstStyle/>
+          <a:p>
+            <a:r>
+              <a:rPr lang="en-US" altLang="ko-KR" dirty="0"/>
+              <a:t>web-server with </a:t>
+            </a:r>
+            <a:r>
+              <a:rPr lang="en-US" altLang="ko-KR" dirty="0" err="1"/>
+              <a:t>fabcar</a:t>
+            </a:r>
+            <a:endParaRPr lang="ko-KR" altLang="en-US" dirty="0"/>
+          </a:p>
+        </p:txBody>
+      </p:sp>
+      <p:pic>
+        <p:nvPicPr>
+          <p:cNvPr id="4" name="Content Placeholder 3"/>
+          <p:cNvPicPr>
+            <a:picLocks noGrp="1" noChangeAspect="1"/>
+          </p:cNvPicPr>
+          <p:nvPr>
+            <p:ph idx="1"/>
+          </p:nvPr>
+        </p:nvPicPr>
+        <p:blipFill>
+          <a:blip r:embed="rId2"/>
+          <a:stretch>
+            <a:fillRect/>
+          </a:stretch>
+        </p:blipFill>
+        <p:spPr>
+          <a:xfrm>
+            <a:off x="1365584" y="1690688"/>
+            <a:ext cx="9460832" cy="2729683"/>
+          </a:xfrm>
+          <a:prstGeom prst="rect">
+            <a:avLst/>
+          </a:prstGeom>
+        </p:spPr>
+      </p:pic>
+      <p:sp>
+        <p:nvSpPr>
+          <p:cNvPr id="5" name="TextBox 4"/>
+          <p:cNvSpPr txBox="1"/>
+          <p:nvPr/>
+        </p:nvSpPr>
+        <p:spPr>
+          <a:xfrm>
+            <a:off x="1040770" y="5222714"/>
+            <a:ext cx="10110460" cy="523220"/>
+          </a:xfrm>
+          <a:prstGeom prst="rect">
+            <a:avLst/>
+          </a:prstGeom>
+          <a:noFill/>
+        </p:spPr>
+        <p:txBody>
+          <a:bodyPr wrap="none" rtlCol="0">
+            <a:spAutoFit/>
+          </a:bodyPr>
+          <a:lstStyle/>
+          <a:p>
+            <a:r>
+              <a:rPr lang="ko-KR" altLang="en-US" sz="2800" b="1" dirty="0" smtClean="0"/>
+              <a:t>외부모듈을 불러와서 객체 생성하고</a:t>
+            </a:r>
+            <a:r>
+              <a:rPr lang="en-US" altLang="ko-KR" sz="2800" b="1" dirty="0" smtClean="0"/>
+              <a:t>, </a:t>
+            </a:r>
+            <a:r>
+              <a:rPr lang="ko-KR" altLang="en-US" sz="2800" b="1" dirty="0" smtClean="0"/>
+              <a:t>디렉토리 경로 설정했다</a:t>
+            </a:r>
+            <a:r>
+              <a:rPr lang="en-US" altLang="ko-KR" sz="2800" b="1" dirty="0" smtClean="0"/>
+              <a:t>.</a:t>
+            </a:r>
+            <a:endParaRPr lang="ko-KR" altLang="en-US" sz="2800" b="1" dirty="0"/>
+          </a:p>
+        </p:txBody>
+      </p:sp>
+    </p:spTree>
+    <p:extLst>
+      <p:ext uri="{BB962C8B-B14F-4D97-AF65-F5344CB8AC3E}">
+        <p14:creationId xmlns:p14="http://schemas.microsoft.com/office/powerpoint/2010/main" val="3041547473"/>
+      </p:ext>
+    </p:extLst>
+  </p:cSld>
+  <p:clrMapOvr>
+    <a:masterClrMapping/>
+  </p:clrMapOvr>
+  <p:timing>
+    <p:tnLst>
+      <p:par>
+        <p:cTn id="1" dur="indefinite" restart="never" nodeType="tmRoot"/>
+      </p:par>
+    </p:tnLst>
+  </p:timing>
+</p:sld>
+</file>
+
+<file path=ppt/slides/slide14.xml><?xml version="1.0" encoding="utf-8"?>
+<p:sld xmlns:a="http://schemas.openxmlformats.org/drawingml/2006/main" xmlns:r="http://schemas.openxmlformats.org/officeDocument/2006/relationships" xmlns:p="http://schemas.openxmlformats.org/presentationml/2006/main">
+  <p:cSld>
+    <p:spTree>
+      <p:nvGrpSpPr>
+        <p:cNvPr id="1" name=""/>
+        <p:cNvGrpSpPr/>
+        <p:nvPr/>
+      </p:nvGrpSpPr>
+      <p:grpSpPr>
+        <a:xfrm>
+          <a:off x="0" y="0"/>
+          <a:ext cx="0" cy="0"/>
+          <a:chOff x="0" y="0"/>
+          <a:chExt cx="0" cy="0"/>
+        </a:xfrm>
+      </p:grpSpPr>
+      <p:sp>
+        <p:nvSpPr>
+          <p:cNvPr id="2" name="Title 1"/>
+          <p:cNvSpPr>
+            <a:spLocks noGrp="1"/>
+          </p:cNvSpPr>
+          <p:nvPr>
+            <p:ph type="title"/>
+          </p:nvPr>
+        </p:nvSpPr>
+        <p:spPr/>
+        <p:txBody>
+          <a:bodyPr/>
+          <a:lstStyle/>
+          <a:p>
+            <a:r>
+              <a:rPr lang="en-US" altLang="ko-KR" dirty="0"/>
+              <a:t>web-server with </a:t>
+            </a:r>
+            <a:r>
+              <a:rPr lang="en-US" altLang="ko-KR" dirty="0" err="1"/>
+              <a:t>fabcar</a:t>
+            </a:r>
+            <a:endParaRPr lang="ko-KR" altLang="en-US" dirty="0"/>
+          </a:p>
+        </p:txBody>
+      </p:sp>
+      <p:pic>
+        <p:nvPicPr>
+          <p:cNvPr id="4" name="Content Placeholder 3"/>
+          <p:cNvPicPr>
+            <a:picLocks noGrp="1" noChangeAspect="1"/>
+          </p:cNvPicPr>
+          <p:nvPr>
+            <p:ph idx="1"/>
+          </p:nvPr>
+        </p:nvPicPr>
+        <p:blipFill>
+          <a:blip r:embed="rId2"/>
+          <a:stretch>
+            <a:fillRect/>
+          </a:stretch>
+        </p:blipFill>
+        <p:spPr>
+          <a:xfrm>
+            <a:off x="1983205" y="1690688"/>
+            <a:ext cx="8225589" cy="2218996"/>
+          </a:xfrm>
+          <a:prstGeom prst="rect">
+            <a:avLst/>
+          </a:prstGeom>
+        </p:spPr>
+      </p:pic>
+      <p:sp>
+        <p:nvSpPr>
+          <p:cNvPr id="5" name="TextBox 4"/>
+          <p:cNvSpPr txBox="1"/>
+          <p:nvPr/>
+        </p:nvSpPr>
+        <p:spPr>
+          <a:xfrm>
+            <a:off x="1090863" y="4450417"/>
+            <a:ext cx="10828414" cy="1569660"/>
+          </a:xfrm>
+          <a:prstGeom prst="rect">
+            <a:avLst/>
+          </a:prstGeom>
+          <a:noFill/>
+        </p:spPr>
+        <p:txBody>
+          <a:bodyPr wrap="none" rtlCol="0">
+            <a:spAutoFit/>
+          </a:bodyPr>
+          <a:lstStyle/>
+          <a:p>
+            <a:r>
+              <a:rPr lang="en-US" altLang="ko-KR" sz="2400" b="1" dirty="0" smtClean="0"/>
+              <a:t>body-parser </a:t>
+            </a:r>
+            <a:r>
+              <a:rPr lang="ko-KR" altLang="en-US" sz="2400" b="1" dirty="0" smtClean="0"/>
+              <a:t>라이브러리 사용 준비하고</a:t>
+            </a:r>
+            <a:r>
+              <a:rPr lang="en-US" altLang="ko-KR" sz="2400" b="1" dirty="0" smtClean="0"/>
+              <a:t>, static </a:t>
+            </a:r>
+            <a:r>
+              <a:rPr lang="ko-KR" altLang="en-US" sz="2400" b="1" dirty="0" smtClean="0"/>
+              <a:t>폴더를 </a:t>
+            </a:r>
+            <a:r>
+              <a:rPr lang="en-US" altLang="ko-KR" sz="2400" b="1" dirty="0" smtClean="0"/>
+              <a:t>public </a:t>
+            </a:r>
+            <a:r>
+              <a:rPr lang="ko-KR" altLang="en-US" sz="2400" b="1" dirty="0" smtClean="0"/>
+              <a:t>폴더로 지정함</a:t>
+            </a:r>
+            <a:r>
+              <a:rPr lang="en-US" altLang="ko-KR" sz="2400" b="1" dirty="0" smtClean="0"/>
+              <a:t>.</a:t>
+            </a:r>
+          </a:p>
+          <a:p>
+            <a:endParaRPr lang="en-US" altLang="ko-KR" sz="2400" b="1" dirty="0"/>
+          </a:p>
+          <a:p>
+            <a:r>
+              <a:rPr lang="en-US" altLang="ko-KR" sz="2400" b="1" dirty="0" smtClean="0"/>
+              <a:t>view templates</a:t>
+            </a:r>
+            <a:r>
+              <a:rPr lang="ko-KR" altLang="en-US" sz="2400" b="1" dirty="0" smtClean="0"/>
+              <a:t>들을 </a:t>
+            </a:r>
+            <a:r>
+              <a:rPr lang="en-US" altLang="ko-KR" sz="2400" b="1" dirty="0" smtClean="0"/>
+              <a:t>views </a:t>
+            </a:r>
+            <a:r>
+              <a:rPr lang="ko-KR" altLang="en-US" sz="2400" b="1" dirty="0" smtClean="0"/>
+              <a:t>폴더를 </a:t>
+            </a:r>
+            <a:r>
+              <a:rPr lang="en-US" altLang="ko-KR" sz="2400" b="1" dirty="0" smtClean="0"/>
+              <a:t>template</a:t>
+            </a:r>
+            <a:r>
+              <a:rPr lang="ko-KR" altLang="en-US" sz="2400" b="1" dirty="0" smtClean="0"/>
+              <a:t>폴더로 사용하고</a:t>
+            </a:r>
+            <a:r>
+              <a:rPr lang="en-US" altLang="ko-KR" sz="2400" b="1" dirty="0" smtClean="0"/>
+              <a:t>, </a:t>
+            </a:r>
+          </a:p>
+          <a:p>
+            <a:r>
+              <a:rPr lang="en-US" altLang="ko-KR" sz="2400" b="1" dirty="0" smtClean="0"/>
+              <a:t>view engine</a:t>
+            </a:r>
+            <a:r>
+              <a:rPr lang="ko-KR" altLang="en-US" sz="2400" b="1" dirty="0" smtClean="0"/>
+              <a:t>은 </a:t>
+            </a:r>
+            <a:r>
+              <a:rPr lang="en-US" altLang="ko-KR" sz="2400" b="1" dirty="0" err="1" smtClean="0"/>
+              <a:t>ejs</a:t>
+            </a:r>
+            <a:r>
+              <a:rPr lang="ko-KR" altLang="en-US" sz="2400" b="1" dirty="0" smtClean="0"/>
+              <a:t>로 사용한다</a:t>
+            </a:r>
+            <a:r>
+              <a:rPr lang="en-US" altLang="ko-KR" sz="2400" b="1" dirty="0" smtClean="0"/>
+              <a:t>.</a:t>
+            </a:r>
+            <a:endParaRPr lang="ko-KR" altLang="en-US" sz="2400" b="1" dirty="0"/>
+          </a:p>
+        </p:txBody>
+      </p:sp>
+    </p:spTree>
+    <p:extLst>
+      <p:ext uri="{BB962C8B-B14F-4D97-AF65-F5344CB8AC3E}">
+        <p14:creationId xmlns:p14="http://schemas.microsoft.com/office/powerpoint/2010/main" val="3653925369"/>
+      </p:ext>
+    </p:extLst>
+  </p:cSld>
+  <p:clrMapOvr>
+    <a:masterClrMapping/>
+  </p:clrMapOvr>
+  <p:timing>
+    <p:tnLst>
+      <p:par>
+        <p:cTn id="1" dur="indefinite" restart="never" nodeType="tmRoot"/>
+      </p:par>
+    </p:tnLst>
+  </p:timing>
+</p:sld>
+</file>
+
+<file path=ppt/slides/slide15.xml><?xml version="1.0" encoding="utf-8"?>
+<p:sld xmlns:a="http://schemas.openxmlformats.org/drawingml/2006/main" xmlns:r="http://schemas.openxmlformats.org/officeDocument/2006/relationships" xmlns:p="http://schemas.openxmlformats.org/presentationml/2006/main">
+  <p:cSld>
+    <p:spTree>
+      <p:nvGrpSpPr>
+        <p:cNvPr id="1" name=""/>
+        <p:cNvGrpSpPr/>
+        <p:nvPr/>
+      </p:nvGrpSpPr>
+      <p:grpSpPr>
+        <a:xfrm>
+          <a:off x="0" y="0"/>
+          <a:ext cx="0" cy="0"/>
+          <a:chOff x="0" y="0"/>
+          <a:chExt cx="0" cy="0"/>
+        </a:xfrm>
+      </p:grpSpPr>
+      <p:sp>
+        <p:nvSpPr>
+          <p:cNvPr id="2" name="Title 1"/>
+          <p:cNvSpPr>
+            <a:spLocks noGrp="1"/>
+          </p:cNvSpPr>
+          <p:nvPr>
+            <p:ph type="title"/>
+          </p:nvPr>
+        </p:nvSpPr>
+        <p:spPr/>
+        <p:txBody>
+          <a:bodyPr/>
+          <a:lstStyle/>
+          <a:p>
+            <a:r>
+              <a:rPr lang="en-US" altLang="ko-KR" dirty="0"/>
+              <a:t>web-server with </a:t>
+            </a:r>
+            <a:r>
+              <a:rPr lang="en-US" altLang="ko-KR" dirty="0" err="1"/>
+              <a:t>fabcar</a:t>
+            </a:r>
+            <a:endParaRPr lang="ko-KR" altLang="en-US" dirty="0"/>
+          </a:p>
+        </p:txBody>
+      </p:sp>
+      <p:pic>
+        <p:nvPicPr>
+          <p:cNvPr id="4" name="Content Placeholder 3"/>
+          <p:cNvPicPr>
+            <a:picLocks noGrp="1" noChangeAspect="1"/>
+          </p:cNvPicPr>
+          <p:nvPr>
+            <p:ph idx="1"/>
+          </p:nvPr>
+        </p:nvPicPr>
+        <p:blipFill>
+          <a:blip r:embed="rId2"/>
+          <a:stretch>
+            <a:fillRect/>
+          </a:stretch>
+        </p:blipFill>
+        <p:spPr>
+          <a:xfrm>
+            <a:off x="838200" y="1690688"/>
+            <a:ext cx="5238750" cy="2486025"/>
+          </a:xfrm>
+          <a:prstGeom prst="rect">
+            <a:avLst/>
+          </a:prstGeom>
+        </p:spPr>
+      </p:pic>
+      <p:sp>
+        <p:nvSpPr>
+          <p:cNvPr id="5" name="TextBox 4"/>
+          <p:cNvSpPr txBox="1"/>
+          <p:nvPr/>
+        </p:nvSpPr>
+        <p:spPr>
+          <a:xfrm>
+            <a:off x="838200" y="4572000"/>
+            <a:ext cx="5277853" cy="646331"/>
+          </a:xfrm>
+          <a:prstGeom prst="rect">
+            <a:avLst/>
+          </a:prstGeom>
+          <a:noFill/>
+        </p:spPr>
+        <p:txBody>
+          <a:bodyPr wrap="square" rtlCol="0">
+            <a:spAutoFit/>
+          </a:bodyPr>
+          <a:lstStyle/>
+          <a:p>
+            <a:r>
+              <a:rPr lang="en-US" altLang="ko-KR" b="1" dirty="0" err="1" smtClean="0"/>
+              <a:t>app.get</a:t>
+            </a:r>
+            <a:r>
+              <a:rPr lang="en-US" altLang="ko-KR" b="1" dirty="0" smtClean="0"/>
+              <a:t> </a:t>
+            </a:r>
+            <a:r>
+              <a:rPr lang="ko-KR" altLang="en-US" b="1" dirty="0" smtClean="0"/>
+              <a:t>메소드는 </a:t>
+            </a:r>
+            <a:r>
+              <a:rPr lang="en-US" altLang="ko-KR" b="1" dirty="0" smtClean="0"/>
+              <a:t>get request </a:t>
+            </a:r>
+            <a:r>
+              <a:rPr lang="ko-KR" altLang="en-US" b="1" dirty="0" smtClean="0"/>
+              <a:t>시에 응답 설정</a:t>
+            </a:r>
+            <a:endParaRPr lang="en-US" altLang="ko-KR" b="1" dirty="0" smtClean="0"/>
+          </a:p>
+          <a:p>
+            <a:endParaRPr lang="ko-KR" altLang="en-US" b="1" dirty="0"/>
+          </a:p>
+        </p:txBody>
+      </p:sp>
+      <p:pic>
+        <p:nvPicPr>
+          <p:cNvPr id="6" name="Picture 5"/>
+          <p:cNvPicPr>
+            <a:picLocks noChangeAspect="1"/>
+          </p:cNvPicPr>
+          <p:nvPr/>
+        </p:nvPicPr>
+        <p:blipFill>
+          <a:blip r:embed="rId3"/>
+          <a:stretch>
+            <a:fillRect/>
+          </a:stretch>
+        </p:blipFill>
+        <p:spPr>
+          <a:xfrm>
+            <a:off x="6076950" y="1669257"/>
+            <a:ext cx="6029325" cy="2705100"/>
+          </a:xfrm>
+          <a:prstGeom prst="rect">
+            <a:avLst/>
+          </a:prstGeom>
+        </p:spPr>
+      </p:pic>
+      <p:sp>
+        <p:nvSpPr>
+          <p:cNvPr id="7" name="TextBox 6"/>
+          <p:cNvSpPr txBox="1"/>
+          <p:nvPr/>
+        </p:nvSpPr>
+        <p:spPr>
+          <a:xfrm>
+            <a:off x="6075947" y="4571999"/>
+            <a:ext cx="5277853" cy="646331"/>
+          </a:xfrm>
+          <a:prstGeom prst="rect">
+            <a:avLst/>
+          </a:prstGeom>
+          <a:noFill/>
+        </p:spPr>
+        <p:txBody>
+          <a:bodyPr wrap="square" rtlCol="0">
+            <a:spAutoFit/>
+          </a:bodyPr>
+          <a:lstStyle/>
+          <a:p>
+            <a:r>
+              <a:rPr lang="en-US" altLang="ko-KR" b="1" dirty="0" err="1" smtClean="0"/>
+              <a:t>app.post</a:t>
+            </a:r>
+            <a:r>
+              <a:rPr lang="en-US" altLang="ko-KR" b="1" dirty="0" smtClean="0"/>
+              <a:t> </a:t>
+            </a:r>
+            <a:r>
+              <a:rPr lang="ko-KR" altLang="en-US" b="1" dirty="0" smtClean="0"/>
+              <a:t>메소드는 </a:t>
+            </a:r>
+            <a:r>
+              <a:rPr lang="en-US" altLang="ko-KR" b="1" dirty="0" smtClean="0"/>
+              <a:t>post request </a:t>
+            </a:r>
+            <a:r>
+              <a:rPr lang="ko-KR" altLang="en-US" b="1" dirty="0" smtClean="0"/>
+              <a:t>시에 응답 설정</a:t>
+            </a:r>
+            <a:endParaRPr lang="en-US" altLang="ko-KR" b="1" dirty="0" smtClean="0"/>
+          </a:p>
+          <a:p>
+            <a:endParaRPr lang="ko-KR" altLang="en-US" b="1" dirty="0"/>
+          </a:p>
+        </p:txBody>
+      </p:sp>
+      <p:pic>
+        <p:nvPicPr>
+          <p:cNvPr id="8" name="Picture 7"/>
+          <p:cNvPicPr>
+            <a:picLocks noChangeAspect="1"/>
+          </p:cNvPicPr>
+          <p:nvPr/>
+        </p:nvPicPr>
+        <p:blipFill>
+          <a:blip r:embed="rId4"/>
+          <a:stretch>
+            <a:fillRect/>
+          </a:stretch>
+        </p:blipFill>
+        <p:spPr>
+          <a:xfrm>
+            <a:off x="3856623" y="5207001"/>
+            <a:ext cx="3676650" cy="590550"/>
+          </a:xfrm>
+          <a:prstGeom prst="rect">
+            <a:avLst/>
+          </a:prstGeom>
+        </p:spPr>
+      </p:pic>
+      <p:sp>
+        <p:nvSpPr>
+          <p:cNvPr id="9" name="TextBox 8"/>
+          <p:cNvSpPr txBox="1"/>
+          <p:nvPr/>
+        </p:nvSpPr>
+        <p:spPr>
+          <a:xfrm>
+            <a:off x="4178968" y="5909514"/>
+            <a:ext cx="5277853" cy="369332"/>
+          </a:xfrm>
+          <a:prstGeom prst="rect">
+            <a:avLst/>
+          </a:prstGeom>
+          <a:noFill/>
+        </p:spPr>
+        <p:txBody>
+          <a:bodyPr wrap="square" rtlCol="0">
+            <a:spAutoFit/>
+          </a:bodyPr>
+          <a:lstStyle/>
+          <a:p>
+            <a:r>
+              <a:rPr lang="en-US" altLang="ko-KR" b="1" dirty="0" err="1" smtClean="0"/>
+              <a:t>app.listen</a:t>
+            </a:r>
+            <a:r>
+              <a:rPr lang="ko-KR" altLang="en-US" b="1" dirty="0" smtClean="0"/>
+              <a:t>은 서버 시작을 의미함</a:t>
+            </a:r>
+            <a:r>
+              <a:rPr lang="en-US" altLang="ko-KR" b="1" dirty="0" smtClean="0"/>
+              <a:t>.</a:t>
+            </a:r>
+            <a:endParaRPr lang="ko-KR" altLang="en-US" b="1" dirty="0"/>
+          </a:p>
+        </p:txBody>
+      </p:sp>
+    </p:spTree>
+    <p:extLst>
+      <p:ext uri="{BB962C8B-B14F-4D97-AF65-F5344CB8AC3E}">
+        <p14:creationId xmlns:p14="http://schemas.microsoft.com/office/powerpoint/2010/main" val="3301652274"/>
+      </p:ext>
+    </p:extLst>
+  </p:cSld>
+  <p:clrMapOvr>
+    <a:masterClrMapping/>
+  </p:clrMapOvr>
+  <p:timing>
+    <p:tnLst>
+      <p:par>
+        <p:cTn id="1" dur="indefinite" restart="never" nodeType="tmRoot"/>
+      </p:par>
+    </p:tnLst>
+  </p:timing>
+</p:sld>
+</file>
+
+<file path=ppt/slides/slide16.xml><?xml version="1.0" encoding="utf-8"?>
+<p:sld xmlns:a="http://schemas.openxmlformats.org/drawingml/2006/main" xmlns:r="http://schemas.openxmlformats.org/officeDocument/2006/relationships" xmlns:p="http://schemas.openxmlformats.org/presentationml/2006/main">
+  <p:cSld>
+    <p:spTree>
+      <p:nvGrpSpPr>
+        <p:cNvPr id="1" name=""/>
+        <p:cNvGrpSpPr/>
+        <p:nvPr/>
+      </p:nvGrpSpPr>
+      <p:grpSpPr>
+        <a:xfrm>
+          <a:off x="0" y="0"/>
+          <a:ext cx="0" cy="0"/>
+          <a:chOff x="0" y="0"/>
+          <a:chExt cx="0" cy="0"/>
+        </a:xfrm>
+      </p:grpSpPr>
+      <p:sp>
+        <p:nvSpPr>
+          <p:cNvPr id="2" name="Title 1"/>
+          <p:cNvSpPr>
+            <a:spLocks noGrp="1"/>
+          </p:cNvSpPr>
+          <p:nvPr>
+            <p:ph type="title"/>
+          </p:nvPr>
+        </p:nvSpPr>
+        <p:spPr/>
+        <p:txBody>
+          <a:bodyPr/>
+          <a:lstStyle/>
+          <a:p>
+            <a:r>
+              <a:rPr lang="en-US" altLang="ko-KR" dirty="0" err="1" smtClean="0"/>
+              <a:t>app.get</a:t>
+            </a:r>
+            <a:r>
+              <a:rPr lang="en-US" altLang="ko-KR" dirty="0" smtClean="0"/>
+              <a:t>(‘/’)</a:t>
+            </a:r>
+            <a:endParaRPr lang="ko-KR" altLang="en-US" dirty="0"/>
+          </a:p>
+        </p:txBody>
+      </p:sp>
       <p:sp>
         <p:nvSpPr>
           <p:cNvPr id="3" name="Content Placeholder 2"/>
@@ -3980,6 +4853,14 @@
           <a:bodyPr/>
           <a:lstStyle/>
           <a:p>
+            <a:r>
+              <a:rPr lang="en-US" altLang="ko-KR" dirty="0" smtClean="0"/>
+              <a:t>index</a:t>
+            </a:r>
+            <a:r>
+              <a:rPr lang="ko-KR" altLang="en-US" dirty="0" smtClean="0"/>
+              <a:t>페이지 렌더링</a:t>
+            </a:r>
             <a:endParaRPr lang="ko-KR" altLang="en-US" dirty="0"/>
           </a:p>
         </p:txBody>
@@ -3987,7 +4868,185 @@
     </p:spTree>
     <p:extLst>
       <p:ext uri="{BB962C8B-B14F-4D97-AF65-F5344CB8AC3E}">
-        <p14:creationId xmlns:p14="http://schemas.microsoft.com/office/powerpoint/2010/main" val="3145051777"/>
+        <p14:creationId xmlns:p14="http://schemas.microsoft.com/office/powerpoint/2010/main" val="3470810368"/>
+      </p:ext>
+    </p:extLst>
+  </p:cSld>
+  <p:clrMapOvr>
+    <a:masterClrMapping/>
+  </p:clrMapOvr>
+  <p:timing>
+    <p:tnLst>
+      <p:par>
+        <p:cTn id="1" dur="indefinite" restart="never" nodeType="tmRoot"/>
+      </p:par>
+    </p:tnLst>
+  </p:timing>
+</p:sld>
+</file>
+
+<file path=ppt/slides/slide17.xml><?xml version="1.0" encoding="utf-8"?>
+<p:sld xmlns:a="http://schemas.openxmlformats.org/drawingml/2006/main" xmlns:r="http://schemas.openxmlformats.org/officeDocument/2006/relationships" xmlns:p="http://schemas.openxmlformats.org/presentationml/2006/main">
+  <p:cSld>
+    <p:spTree>
+      <p:nvGrpSpPr>
+        <p:cNvPr id="1" name=""/>
+        <p:cNvGrpSpPr/>
+        <p:nvPr/>
+      </p:nvGrpSpPr>
+      <p:grpSpPr>
+        <a:xfrm>
+          <a:off x="0" y="0"/>
+          <a:ext cx="0" cy="0"/>
+          <a:chOff x="0" y="0"/>
+          <a:chExt cx="0" cy="0"/>
+        </a:xfrm>
+      </p:grpSpPr>
+      <p:sp>
+        <p:nvSpPr>
+          <p:cNvPr id="2" name="Title 1"/>
+          <p:cNvSpPr>
+            <a:spLocks noGrp="1"/>
+          </p:cNvSpPr>
+          <p:nvPr>
+            <p:ph type="title"/>
+          </p:nvPr>
+        </p:nvSpPr>
+        <p:spPr/>
+        <p:txBody>
+          <a:bodyPr/>
+          <a:lstStyle/>
+          <a:p>
+            <a:r>
+              <a:rPr lang="en-US" altLang="ko-KR" dirty="0" err="1" smtClean="0"/>
+              <a:t>app.get</a:t>
+            </a:r>
+            <a:r>
+              <a:rPr lang="en-US" altLang="ko-KR" dirty="0" smtClean="0"/>
+              <a:t>(‘/</a:t>
+            </a:r>
+            <a:r>
+              <a:rPr lang="en-US" altLang="ko-KR" dirty="0" err="1" smtClean="0"/>
+              <a:t>queryallcars</a:t>
+            </a:r>
+            <a:r>
+              <a:rPr lang="en-US" altLang="ko-KR" dirty="0" smtClean="0"/>
+              <a:t>’)</a:t>
+            </a:r>
+            <a:endParaRPr lang="ko-KR" altLang="en-US" dirty="0"/>
+          </a:p>
+        </p:txBody>
+      </p:sp>
+      <p:sp>
+        <p:nvSpPr>
+          <p:cNvPr id="3" name="Content Placeholder 2"/>
+          <p:cNvSpPr>
+            <a:spLocks noGrp="1"/>
+          </p:cNvSpPr>
+          <p:nvPr>
+            <p:ph idx="1"/>
+          </p:nvPr>
+        </p:nvSpPr>
+        <p:spPr/>
+        <p:txBody>
+          <a:bodyPr/>
+          <a:lstStyle/>
+          <a:p>
+            <a:r>
+              <a:rPr lang="en-US" altLang="ko-KR" dirty="0" smtClean="0"/>
+              <a:t>query </a:t>
+            </a:r>
+            <a:r>
+              <a:rPr lang="ko-KR" altLang="en-US" dirty="0" smtClean="0"/>
+              <a:t>페이지 렌더링</a:t>
+            </a:r>
+            <a:endParaRPr lang="ko-KR" altLang="en-US" dirty="0"/>
+          </a:p>
+        </p:txBody>
+      </p:sp>
+    </p:spTree>
+    <p:extLst>
+      <p:ext uri="{BB962C8B-B14F-4D97-AF65-F5344CB8AC3E}">
+        <p14:creationId xmlns:p14="http://schemas.microsoft.com/office/powerpoint/2010/main" val="1006202721"/>
+      </p:ext>
+    </p:extLst>
+  </p:cSld>
+  <p:clrMapOvr>
+    <a:masterClrMapping/>
+  </p:clrMapOvr>
+  <p:timing>
+    <p:tnLst>
+      <p:par>
+        <p:cTn id="1" dur="indefinite" restart="never" nodeType="tmRoot"/>
+      </p:par>
+    </p:tnLst>
+  </p:timing>
+</p:sld>
+</file>
+
+<file path=ppt/slides/slide18.xml><?xml version="1.0" encoding="utf-8"?>
+<p:sld xmlns:a="http://schemas.openxmlformats.org/drawingml/2006/main" xmlns:r="http://schemas.openxmlformats.org/officeDocument/2006/relationships" xmlns:p="http://schemas.openxmlformats.org/presentationml/2006/main">
+  <p:cSld>
+    <p:spTree>
+      <p:nvGrpSpPr>
+        <p:cNvPr id="1" name=""/>
+        <p:cNvGrpSpPr/>
+        <p:nvPr/>
+      </p:nvGrpSpPr>
+      <p:grpSpPr>
+        <a:xfrm>
+          <a:off x="0" y="0"/>
+          <a:ext cx="0" cy="0"/>
+          <a:chOff x="0" y="0"/>
+          <a:chExt cx="0" cy="0"/>
+        </a:xfrm>
+      </p:grpSpPr>
+      <p:sp>
+        <p:nvSpPr>
+          <p:cNvPr id="2" name="Title 1"/>
+          <p:cNvSpPr>
+            <a:spLocks noGrp="1"/>
+          </p:cNvSpPr>
+          <p:nvPr>
+            <p:ph type="title"/>
+          </p:nvPr>
+        </p:nvSpPr>
+        <p:spPr/>
+        <p:txBody>
+          <a:bodyPr/>
+          <a:lstStyle/>
+          <a:p>
+            <a:r>
+              <a:rPr lang="en-US" altLang="ko-KR" dirty="0" smtClean="0"/>
+              <a:t>to be continued....</a:t>
+            </a:r>
+            <a:endParaRPr lang="ko-KR" altLang="en-US" dirty="0"/>
+          </a:p>
+        </p:txBody>
+      </p:sp>
+      <p:sp>
+        <p:nvSpPr>
+          <p:cNvPr id="3" name="Content Placeholder 2"/>
+          <p:cNvSpPr>
+            <a:spLocks noGrp="1"/>
+          </p:cNvSpPr>
+          <p:nvPr>
+            <p:ph idx="1"/>
+          </p:nvPr>
+        </p:nvSpPr>
+        <p:spPr/>
+        <p:txBody>
+          <a:bodyPr/>
+          <a:lstStyle/>
+          <a:p>
+            <a:endParaRPr lang="ko-KR" altLang="en-US"/>
+          </a:p>
+        </p:txBody>
+      </p:sp>
+    </p:spTree>
+    <p:extLst>
+      <p:ext uri="{BB962C8B-B14F-4D97-AF65-F5344CB8AC3E}">
+        <p14:creationId xmlns:p14="http://schemas.microsoft.com/office/powerpoint/2010/main" val="2130969586"/>
       </p:ext>
     </p:extLst>
   </p:cSld>
@@ -6375,7 +7434,11 @@
             </a:r>
             <a:r>
               <a:rPr lang="en-US" altLang="ko-KR" sz="2800" dirty="0" smtClean="0"/>
-              <a:t>– v1.4</a:t>
+              <a:t>– </a:t>
+            </a:r>
+            <a:r>
+              <a:rPr lang="en-US" altLang="ko-KR" sz="2800" dirty="0" smtClean="0"/>
+              <a:t>v1.1, v1.4</a:t>
             </a:r>
             <a:endParaRPr lang="ko-KR" altLang="en-US" sz="2800" dirty="0"/>
           </a:p>
@@ -6663,11 +7726,7 @@
             </a:r>
             <a:r>
               <a:rPr lang="ko-KR" altLang="en-US" sz="2800" dirty="0" smtClean="0"/>
-              <a:t>분석</a:t>
-            </a:r>
-            <a:r>
-              <a:rPr lang="ko-KR" altLang="en-US" sz="2800" dirty="0" smtClean="0"/>
-              <a:t> </a:t>
+              <a:t>분석 </a:t>
             </a:r>
             <a:r>
               <a:rPr lang="en-US" altLang="ko-KR" sz="2800" dirty="0" smtClean="0"/>
